--- a/potholes-detection.pptx
+++ b/potholes-detection.pptx
@@ -12,8 +12,9 @@
     <p:sldId id="260" r:id="rId6"/>
     <p:sldId id="261" r:id="rId7"/>
     <p:sldId id="262" r:id="rId8"/>
-    <p:sldId id="263" r:id="rId9"/>
-    <p:sldId id="264" r:id="rId10"/>
+    <p:sldId id="265" r:id="rId9"/>
+    <p:sldId id="263" r:id="rId10"/>
+    <p:sldId id="264" r:id="rId11"/>
   </p:sldIdLst>
   <p:sldSz cx="12192000" cy="6858000"/>
   <p:notesSz cx="6858000" cy="9144000"/>
@@ -394,7 +395,7 @@
           <a:p>
             <a:fld id="{397E0307-B85C-446A-8EF0-0407D435D787}" type="datetimeFigureOut">
               <a:rPr lang="en-US" dirty="0"/>
-              <a:t>1/15/2023</a:t>
+              <a:t>1/18/2023</a:t>
             </a:fld>
             <a:endParaRPr lang="en-US" dirty="0"/>
           </a:p>
@@ -803,7 +804,7 @@
           <a:p>
             <a:fld id="{8BD862E7-95FA-4FC4-9EC5-DDBFA8DC7417}" type="datetimeFigureOut">
               <a:rPr lang="en-US" dirty="0"/>
-              <a:t>1/15/2023</a:t>
+              <a:t>1/18/2023</a:t>
             </a:fld>
             <a:endParaRPr lang="en-US" dirty="0"/>
           </a:p>
@@ -1134,7 +1135,7 @@
           <a:p>
             <a:fld id="{8DB987F2-A784-4F72-BB57-0E9EACDE722E}" type="datetimeFigureOut">
               <a:rPr lang="en-US" dirty="0"/>
-              <a:t>1/15/2023</a:t>
+              <a:t>1/18/2023</a:t>
             </a:fld>
             <a:endParaRPr lang="en-US" dirty="0"/>
           </a:p>
@@ -1534,7 +1535,7 @@
           <a:p>
             <a:fld id="{40BBD51E-4B19-444E-85C0-DBD7EB6263F4}" type="datetimeFigureOut">
               <a:rPr lang="en-US" dirty="0"/>
-              <a:t>1/15/2023</a:t>
+              <a:t>1/18/2023</a:t>
             </a:fld>
             <a:endParaRPr lang="en-US" dirty="0"/>
           </a:p>
@@ -2097,7 +2098,7 @@
           <a:p>
             <a:fld id="{F0D7255A-4AD5-4D3E-9A0A-689DA3BA976C}" type="datetimeFigureOut">
               <a:rPr lang="en-US" dirty="0"/>
-              <a:t>1/15/2023</a:t>
+              <a:t>1/18/2023</a:t>
             </a:fld>
             <a:endParaRPr lang="en-US" dirty="0"/>
           </a:p>
@@ -2773,7 +2774,7 @@
           <a:p>
             <a:fld id="{3EE0AD15-87AC-45B2-9EE5-8D165AF83CD7}" type="datetimeFigureOut">
               <a:rPr lang="en-US" dirty="0"/>
-              <a:t>1/15/2023</a:t>
+              <a:t>1/18/2023</a:t>
             </a:fld>
             <a:endParaRPr lang="en-US" dirty="0"/>
           </a:p>
@@ -3681,7 +3682,7 @@
           <a:p>
             <a:fld id="{FCC40CCD-F0D6-4CC2-A4C8-2D7D0D875F02}" type="datetimeFigureOut">
               <a:rPr lang="en-US" dirty="0"/>
-              <a:t>1/15/2023</a:t>
+              <a:t>1/18/2023</a:t>
             </a:fld>
             <a:endParaRPr lang="en-US" dirty="0"/>
           </a:p>
@@ -3989,7 +3990,7 @@
           <a:p>
             <a:fld id="{B3CFE2CC-454D-4466-AC55-B86DA0A87BAE}" type="datetimeFigureOut">
               <a:rPr lang="en-US" dirty="0"/>
-              <a:t>1/15/2023</a:t>
+              <a:t>1/18/2023</a:t>
             </a:fld>
             <a:endParaRPr lang="en-US" dirty="0"/>
           </a:p>
@@ -4248,7 +4249,7 @@
           <a:p>
             <a:fld id="{B647B1BF-4039-460D-A637-65428CBD720E}" type="datetimeFigureOut">
               <a:rPr lang="en-US" dirty="0"/>
-              <a:t>1/15/2023</a:t>
+              <a:t>1/18/2023</a:t>
             </a:fld>
             <a:endParaRPr lang="en-US" dirty="0"/>
           </a:p>
@@ -4567,7 +4568,7 @@
           <a:p>
             <a:fld id="{AAA39ACE-9343-4EBE-B5CA-AEA240A1DC53}" type="datetimeFigureOut">
               <a:rPr lang="en-US" dirty="0"/>
-              <a:t>1/15/2023</a:t>
+              <a:t>1/18/2023</a:t>
             </a:fld>
             <a:endParaRPr lang="en-US" dirty="0"/>
           </a:p>
@@ -4951,7 +4952,7 @@
           <a:p>
             <a:fld id="{C9A00F7B-89C5-4DF7-A309-6263220147D4}" type="datetimeFigureOut">
               <a:rPr lang="en-US" dirty="0"/>
-              <a:t>1/15/2023</a:t>
+              <a:t>1/18/2023</a:t>
             </a:fld>
             <a:endParaRPr lang="en-US" dirty="0"/>
           </a:p>
@@ -5322,7 +5323,7 @@
           <a:p>
             <a:fld id="{449C95DE-FD64-4606-AE61-EC1136867CC6}" type="datetimeFigureOut">
               <a:rPr lang="en-US" dirty="0"/>
-              <a:t>1/15/2023</a:t>
+              <a:t>1/18/2023</a:t>
             </a:fld>
             <a:endParaRPr lang="en-US" dirty="0"/>
           </a:p>
@@ -5823,7 +5824,7 @@
           <a:p>
             <a:fld id="{5DEB0BBD-30FE-4CF1-900A-0C45149F8AF8}" type="datetimeFigureOut">
               <a:rPr lang="en-US" dirty="0"/>
-              <a:t>1/15/2023</a:t>
+              <a:t>1/18/2023</a:t>
             </a:fld>
             <a:endParaRPr lang="en-US" dirty="0"/>
           </a:p>
@@ -6075,7 +6076,7 @@
           <a:p>
             <a:fld id="{B91A5F7F-3E81-4C65-A4D1-CB62D5B9DB91}" type="datetimeFigureOut">
               <a:rPr lang="en-US" dirty="0"/>
-              <a:t>1/15/2023</a:t>
+              <a:t>1/18/2023</a:t>
             </a:fld>
             <a:endParaRPr lang="en-US" dirty="0"/>
           </a:p>
@@ -6233,7 +6234,7 @@
           <a:p>
             <a:fld id="{377ECC86-1672-4627-AEFE-EC5485C73905}" type="datetimeFigureOut">
               <a:rPr lang="en-US" dirty="0"/>
-              <a:t>1/15/2023</a:t>
+              <a:t>1/18/2023</a:t>
             </a:fld>
             <a:endParaRPr lang="en-US" dirty="0"/>
           </a:p>
@@ -6618,7 +6619,7 @@
           <a:p>
             <a:fld id="{3CDCB01F-D966-4C62-B900-0BE008A90C98}" type="datetimeFigureOut">
               <a:rPr lang="en-US" dirty="0"/>
-              <a:t>1/15/2023</a:t>
+              <a:t>1/18/2023</a:t>
             </a:fld>
             <a:endParaRPr lang="en-US" dirty="0"/>
           </a:p>
@@ -7022,7 +7023,7 @@
           <a:p>
             <a:fld id="{5E73A0EA-7DC7-4964-BB97-B173EF3B859A}" type="datetimeFigureOut">
               <a:rPr lang="en-US" dirty="0"/>
-              <a:t>1/15/2023</a:t>
+              <a:t>1/18/2023</a:t>
             </a:fld>
             <a:endParaRPr lang="en-US" dirty="0"/>
           </a:p>
@@ -7261,7 +7262,7 @@
           <a:p>
             <a:fld id="{30EF52CC-F3D9-41D4-BCE4-C208E61A3F31}" type="datetimeFigureOut">
               <a:rPr lang="en-US" dirty="0"/>
-              <a:t>1/15/2023</a:t>
+              <a:t>1/18/2023</a:t>
             </a:fld>
             <a:endParaRPr lang="en-US" dirty="0"/>
           </a:p>
@@ -7714,35 +7715,111 @@
             <p:ph type="subTitle" idx="1"/>
           </p:nvPr>
         </p:nvSpPr>
-        <p:spPr/>
-        <p:txBody>
-          <a:bodyPr/>
+        <p:spPr>
+          <a:xfrm>
+            <a:off x="680322" y="4394039"/>
+            <a:ext cx="8144134" cy="1270491"/>
+          </a:xfrm>
+        </p:spPr>
+        <p:txBody>
+          <a:bodyPr>
+            <a:normAutofit fontScale="85000" lnSpcReduction="20000"/>
+          </a:bodyPr>
           <a:lstStyle/>
           <a:p>
             <a:r>
-              <a:rPr lang="en-US" dirty="0"/>
+              <a:rPr lang="en-US" dirty="0">
+                <a:solidFill>
+                  <a:schemeClr val="bg1"/>
+                </a:solidFill>
+              </a:rPr>
               <a:t>Adrian Mihai-S</a:t>
             </a:r>
             <a:r>
-              <a:rPr lang="ro-RO" dirty="0"/>
+              <a:rPr lang="ro-RO" dirty="0">
+                <a:solidFill>
+                  <a:schemeClr val="bg1"/>
+                </a:solidFill>
+              </a:rPr>
               <a:t>â</a:t>
             </a:r>
             <a:r>
-              <a:rPr lang="en-US" dirty="0" err="1"/>
+              <a:rPr lang="en-US" dirty="0" err="1">
+                <a:solidFill>
+                  <a:schemeClr val="bg1"/>
+                </a:solidFill>
+              </a:rPr>
               <a:t>rbu</a:t>
             </a:r>
-            <a:endParaRPr lang="en-US" dirty="0"/>
-          </a:p>
-          <a:p>
-            <a:r>
-              <a:rPr lang="en-US" dirty="0" err="1"/>
+            <a:endParaRPr lang="en-US" dirty="0">
+              <a:solidFill>
+                <a:schemeClr val="bg1"/>
+              </a:solidFill>
+            </a:endParaRPr>
+          </a:p>
+          <a:p>
+            <a:r>
+              <a:rPr lang="en-US" dirty="0" err="1">
+                <a:solidFill>
+                  <a:schemeClr val="bg1"/>
+                </a:solidFill>
+              </a:rPr>
+              <a:t>Universitatea</a:t>
+            </a:r>
+            <a:r>
+              <a:rPr lang="en-US" dirty="0">
+                <a:solidFill>
+                  <a:schemeClr val="bg1"/>
+                </a:solidFill>
+              </a:rPr>
+              <a:t> Babe</a:t>
+            </a:r>
+            <a:r>
+              <a:rPr lang="ro-RO" dirty="0">
+                <a:solidFill>
+                  <a:schemeClr val="bg1"/>
+                </a:solidFill>
+              </a:rPr>
+              <a:t>ș Bolyai</a:t>
+            </a:r>
+          </a:p>
+          <a:p>
+            <a:r>
+              <a:rPr lang="ro-RO" dirty="0">
+                <a:solidFill>
+                  <a:schemeClr val="bg1"/>
+                </a:solidFill>
+              </a:rPr>
+              <a:t>Facultatea de Matematică și Informatică</a:t>
+            </a:r>
+            <a:endParaRPr lang="en-US" dirty="0">
+              <a:solidFill>
+                <a:schemeClr val="bg1"/>
+              </a:solidFill>
+            </a:endParaRPr>
+          </a:p>
+          <a:p>
+            <a:r>
+              <a:rPr lang="en-US" dirty="0" err="1">
+                <a:solidFill>
+                  <a:schemeClr val="bg1"/>
+                </a:solidFill>
+              </a:rPr>
               <a:t>Grupa</a:t>
             </a:r>
             <a:r>
-              <a:rPr lang="en-US" dirty="0"/>
+              <a:rPr lang="en-US" dirty="0">
+                <a:solidFill>
+                  <a:schemeClr val="bg1"/>
+                </a:solidFill>
+              </a:rPr>
               <a:t> 236</a:t>
             </a:r>
-            <a:endParaRPr lang="ro-RO" dirty="0"/>
+            <a:endParaRPr lang="ro-RO" dirty="0">
+              <a:solidFill>
+                <a:schemeClr val="bg1"/>
+              </a:solidFill>
+            </a:endParaRPr>
           </a:p>
         </p:txBody>
       </p:sp>
@@ -7750,6 +7827,316 @@
     <p:extLst>
       <p:ext uri="{BB962C8B-B14F-4D97-AF65-F5344CB8AC3E}">
         <p14:creationId xmlns:p14="http://schemas.microsoft.com/office/powerpoint/2010/main" val="1009267557"/>
+      </p:ext>
+    </p:extLst>
+  </p:cSld>
+  <p:clrMapOvr>
+    <a:masterClrMapping/>
+  </p:clrMapOvr>
+</p:sld>
+</file>
+
+<file path=ppt/slides/slide10.xml><?xml version="1.0" encoding="utf-8"?>
+<p:sld xmlns:a="http://schemas.openxmlformats.org/drawingml/2006/main" xmlns:r="http://schemas.openxmlformats.org/officeDocument/2006/relationships" xmlns:p="http://schemas.openxmlformats.org/presentationml/2006/main">
+  <p:cSld>
+    <p:spTree>
+      <p:nvGrpSpPr>
+        <p:cNvPr id="1" name=""/>
+        <p:cNvGrpSpPr/>
+        <p:nvPr/>
+      </p:nvGrpSpPr>
+      <p:grpSpPr>
+        <a:xfrm>
+          <a:off x="0" y="0"/>
+          <a:ext cx="0" cy="0"/>
+          <a:chOff x="0" y="0"/>
+          <a:chExt cx="0" cy="0"/>
+        </a:xfrm>
+      </p:grpSpPr>
+      <p:sp>
+        <p:nvSpPr>
+          <p:cNvPr id="2" name="Title 1">
+            <a:extLst>
+              <a:ext uri="{FF2B5EF4-FFF2-40B4-BE49-F238E27FC236}">
+                <a16:creationId xmlns:a16="http://schemas.microsoft.com/office/drawing/2014/main" id="{7E26129C-04E7-ED53-EC40-152400FDA4D6}"/>
+              </a:ext>
+            </a:extLst>
+          </p:cNvPr>
+          <p:cNvSpPr>
+            <a:spLocks noGrp="1"/>
+          </p:cNvSpPr>
+          <p:nvPr>
+            <p:ph type="title"/>
+          </p:nvPr>
+        </p:nvSpPr>
+        <p:spPr/>
+        <p:txBody>
+          <a:bodyPr/>
+          <a:lstStyle/>
+          <a:p>
+            <a:r>
+              <a:rPr lang="en-US" dirty="0"/>
+              <a:t>4. </a:t>
+            </a:r>
+            <a:r>
+              <a:rPr lang="en-US" dirty="0" err="1"/>
+              <a:t>Concluzie</a:t>
+            </a:r>
+            <a:br>
+              <a:rPr lang="en-US" dirty="0"/>
+            </a:br>
+            <a:r>
+              <a:rPr lang="en-US" sz="2000" dirty="0" err="1"/>
+              <a:t>Imbunatatiri</a:t>
+            </a:r>
+            <a:r>
+              <a:rPr lang="en-US" sz="2000" dirty="0"/>
+              <a:t> pe </a:t>
+            </a:r>
+            <a:r>
+              <a:rPr lang="en-US" sz="2000" dirty="0" err="1"/>
+              <a:t>viitor</a:t>
+            </a:r>
+            <a:endParaRPr lang="ro-RO" sz="2400" dirty="0"/>
+          </a:p>
+        </p:txBody>
+      </p:sp>
+      <p:sp>
+        <p:nvSpPr>
+          <p:cNvPr id="7" name="Content Placeholder 6">
+            <a:extLst>
+              <a:ext uri="{FF2B5EF4-FFF2-40B4-BE49-F238E27FC236}">
+                <a16:creationId xmlns:a16="http://schemas.microsoft.com/office/drawing/2014/main" id="{EE634084-3BC7-D551-AFE3-1CB787DDE65E}"/>
+              </a:ext>
+            </a:extLst>
+          </p:cNvPr>
+          <p:cNvSpPr>
+            <a:spLocks noGrp="1"/>
+          </p:cNvSpPr>
+          <p:nvPr>
+            <p:ph idx="1"/>
+          </p:nvPr>
+        </p:nvSpPr>
+        <p:spPr/>
+        <p:txBody>
+          <a:bodyPr/>
+          <a:lstStyle/>
+          <a:p>
+            <a:r>
+              <a:rPr lang="en-US" dirty="0">
+                <a:solidFill>
+                  <a:schemeClr val="bg1"/>
+                </a:solidFill>
+              </a:rPr>
+              <a:t>Un al </a:t>
+            </a:r>
+            <a:r>
+              <a:rPr lang="en-US" dirty="0" err="1">
+                <a:solidFill>
+                  <a:schemeClr val="bg1"/>
+                </a:solidFill>
+              </a:rPr>
+              <a:t>doilea</a:t>
+            </a:r>
+            <a:r>
+              <a:rPr lang="en-US" dirty="0">
+                <a:solidFill>
+                  <a:schemeClr val="bg1"/>
+                </a:solidFill>
+              </a:rPr>
+              <a:t> model care </a:t>
+            </a:r>
+            <a:r>
+              <a:rPr lang="en-US" dirty="0" err="1">
+                <a:solidFill>
+                  <a:schemeClr val="bg1"/>
+                </a:solidFill>
+              </a:rPr>
+              <a:t>decupeaza</a:t>
+            </a:r>
+            <a:r>
+              <a:rPr lang="en-US" dirty="0">
+                <a:solidFill>
+                  <a:schemeClr val="bg1"/>
+                </a:solidFill>
+              </a:rPr>
+              <a:t> </a:t>
+            </a:r>
+            <a:r>
+              <a:rPr lang="en-US" dirty="0" err="1">
+                <a:solidFill>
+                  <a:schemeClr val="bg1"/>
+                </a:solidFill>
+              </a:rPr>
+              <a:t>imaginea</a:t>
+            </a:r>
+            <a:r>
+              <a:rPr lang="en-US" dirty="0">
+                <a:solidFill>
+                  <a:schemeClr val="bg1"/>
+                </a:solidFill>
+              </a:rPr>
+              <a:t> de </a:t>
+            </a:r>
+            <a:r>
+              <a:rPr lang="en-US" dirty="0" err="1">
+                <a:solidFill>
+                  <a:schemeClr val="bg1"/>
+                </a:solidFill>
+              </a:rPr>
+              <a:t>intrare</a:t>
+            </a:r>
+            <a:r>
+              <a:rPr lang="en-US" dirty="0">
+                <a:solidFill>
+                  <a:schemeClr val="bg1"/>
+                </a:solidFill>
+              </a:rPr>
+              <a:t> </a:t>
+            </a:r>
+            <a:r>
+              <a:rPr lang="en-US" dirty="0" err="1">
+                <a:solidFill>
+                  <a:schemeClr val="bg1"/>
+                </a:solidFill>
+              </a:rPr>
+              <a:t>astfel</a:t>
+            </a:r>
+            <a:r>
+              <a:rPr lang="en-US" dirty="0">
+                <a:solidFill>
+                  <a:schemeClr val="bg1"/>
+                </a:solidFill>
+              </a:rPr>
+              <a:t> </a:t>
+            </a:r>
+            <a:r>
+              <a:rPr lang="en-US" dirty="0" err="1">
+                <a:solidFill>
+                  <a:schemeClr val="bg1"/>
+                </a:solidFill>
+              </a:rPr>
+              <a:t>incat</a:t>
+            </a:r>
+            <a:r>
+              <a:rPr lang="en-US" dirty="0">
+                <a:solidFill>
+                  <a:schemeClr val="bg1"/>
+                </a:solidFill>
+              </a:rPr>
+              <a:t> </a:t>
+            </a:r>
+            <a:r>
+              <a:rPr lang="en-US" dirty="0" err="1">
+                <a:solidFill>
+                  <a:schemeClr val="bg1"/>
+                </a:solidFill>
+              </a:rPr>
+              <a:t>sa</a:t>
+            </a:r>
+            <a:r>
+              <a:rPr lang="en-US" dirty="0">
+                <a:solidFill>
+                  <a:schemeClr val="bg1"/>
+                </a:solidFill>
+              </a:rPr>
+              <a:t> nu </a:t>
+            </a:r>
+            <a:r>
+              <a:rPr lang="en-US" dirty="0" err="1">
+                <a:solidFill>
+                  <a:schemeClr val="bg1"/>
+                </a:solidFill>
+              </a:rPr>
+              <a:t>contina</a:t>
+            </a:r>
+            <a:r>
+              <a:rPr lang="en-US" dirty="0">
+                <a:solidFill>
+                  <a:schemeClr val="bg1"/>
+                </a:solidFill>
+              </a:rPr>
+              <a:t> </a:t>
+            </a:r>
+            <a:r>
+              <a:rPr lang="en-US" dirty="0" err="1">
+                <a:solidFill>
+                  <a:schemeClr val="bg1"/>
+                </a:solidFill>
+              </a:rPr>
+              <a:t>nimic</a:t>
+            </a:r>
+            <a:r>
+              <a:rPr lang="en-US" dirty="0">
+                <a:solidFill>
+                  <a:schemeClr val="bg1"/>
+                </a:solidFill>
+              </a:rPr>
+              <a:t> </a:t>
+            </a:r>
+            <a:r>
+              <a:rPr lang="en-US" dirty="0" err="1">
+                <a:solidFill>
+                  <a:schemeClr val="bg1"/>
+                </a:solidFill>
+              </a:rPr>
+              <a:t>altceva</a:t>
+            </a:r>
+            <a:r>
+              <a:rPr lang="en-US" dirty="0">
+                <a:solidFill>
+                  <a:schemeClr val="bg1"/>
+                </a:solidFill>
+              </a:rPr>
+              <a:t> </a:t>
+            </a:r>
+            <a:r>
+              <a:rPr lang="en-US" dirty="0" err="1">
+                <a:solidFill>
+                  <a:schemeClr val="bg1"/>
+                </a:solidFill>
+              </a:rPr>
+              <a:t>decat</a:t>
+            </a:r>
+            <a:r>
+              <a:rPr lang="en-US" dirty="0">
+                <a:solidFill>
+                  <a:schemeClr val="bg1"/>
+                </a:solidFill>
+              </a:rPr>
+              <a:t> </a:t>
+            </a:r>
+            <a:r>
+              <a:rPr lang="en-US" dirty="0" err="1">
+                <a:solidFill>
+                  <a:schemeClr val="bg1"/>
+                </a:solidFill>
+              </a:rPr>
+              <a:t>portiunea</a:t>
+            </a:r>
+            <a:r>
+              <a:rPr lang="en-US" dirty="0">
+                <a:solidFill>
+                  <a:schemeClr val="bg1"/>
+                </a:solidFill>
+              </a:rPr>
+              <a:t> de drum.</a:t>
+            </a:r>
+            <a:endParaRPr lang="ro-RO" dirty="0">
+              <a:solidFill>
+                <a:schemeClr val="bg1"/>
+              </a:solidFill>
+            </a:endParaRPr>
+          </a:p>
+          <a:p>
+            <a:endParaRPr lang="ro-RO" dirty="0"/>
+          </a:p>
+        </p:txBody>
+      </p:sp>
+    </p:spTree>
+    <p:extLst>
+      <p:ext uri="{BB962C8B-B14F-4D97-AF65-F5344CB8AC3E}">
+        <p14:creationId xmlns:p14="http://schemas.microsoft.com/office/powerpoint/2010/main" val="2565106992"/>
       </p:ext>
     </p:extLst>
   </p:cSld>
@@ -11306,7 +11693,7 @@
           <p:cNvPr id="2" name="Title 1">
             <a:extLst>
               <a:ext uri="{FF2B5EF4-FFF2-40B4-BE49-F238E27FC236}">
-                <a16:creationId xmlns:a16="http://schemas.microsoft.com/office/drawing/2014/main" id="{7E26129C-04E7-ED53-EC40-152400FDA4D6}"/>
+                <a16:creationId xmlns:a16="http://schemas.microsoft.com/office/drawing/2014/main" id="{28511EB8-67DD-5FF5-469C-04ACF9B81764}"/>
               </a:ext>
             </a:extLst>
           </p:cNvPr>
@@ -11324,29 +11711,41 @@
           <a:p>
             <a:r>
               <a:rPr lang="en-US" dirty="0"/>
-              <a:t>4. </a:t>
+              <a:t>3. </a:t>
             </a:r>
             <a:r>
               <a:rPr lang="en-US" dirty="0" err="1"/>
-              <a:t>Concluzie</a:t>
+              <a:t>Abordari</a:t>
             </a:r>
             <a:br>
               <a:rPr lang="en-US" dirty="0"/>
             </a:br>
             <a:r>
               <a:rPr lang="en-US" sz="2000" dirty="0" err="1"/>
-              <a:t>Rezultate</a:t>
-            </a:r>
-            <a:endParaRPr lang="ro-RO" sz="2400" dirty="0"/>
-          </a:p>
-        </p:txBody>
-      </p:sp>
-      <p:sp>
-        <p:nvSpPr>
-          <p:cNvPr id="7" name="Content Placeholder 6">
+              <a:t>Segmentare</a:t>
+            </a:r>
+            <a:r>
+              <a:rPr lang="en-US" sz="2000" dirty="0"/>
+              <a:t> (AA-</a:t>
+            </a:r>
+            <a:r>
+              <a:rPr lang="en-US" sz="2000" dirty="0" err="1"/>
+              <a:t>Unet</a:t>
+            </a:r>
+            <a:r>
+              <a:rPr lang="en-US" sz="2000" dirty="0"/>
+              <a:t>)</a:t>
+            </a:r>
+            <a:endParaRPr lang="ro-RO" dirty="0"/>
+          </a:p>
+        </p:txBody>
+      </p:sp>
+      <p:sp>
+        <p:nvSpPr>
+          <p:cNvPr id="28" name="Content Placeholder 27">
             <a:extLst>
               <a:ext uri="{FF2B5EF4-FFF2-40B4-BE49-F238E27FC236}">
-                <a16:creationId xmlns:a16="http://schemas.microsoft.com/office/drawing/2014/main" id="{EE634084-3BC7-D551-AFE3-1CB787DDE65E}"/>
+                <a16:creationId xmlns:a16="http://schemas.microsoft.com/office/drawing/2014/main" id="{B31F65CD-F620-9C7F-6B27-C4EF30BF51B6}"/>
               </a:ext>
             </a:extLst>
           </p:cNvPr>
@@ -11357,18 +11756,27 @@
             <p:ph idx="1"/>
           </p:nvPr>
         </p:nvSpPr>
-        <p:spPr/>
+        <p:spPr>
+          <a:xfrm>
+            <a:off x="680321" y="2170689"/>
+            <a:ext cx="9613861" cy="3599316"/>
+          </a:xfrm>
+        </p:spPr>
         <p:txBody>
           <a:bodyPr/>
           <a:lstStyle/>
           <a:p>
-            <a:r>
-              <a:rPr lang="en-US" dirty="0" err="1">
-                <a:solidFill>
-                  <a:schemeClr val="bg1"/>
-                </a:solidFill>
-              </a:rPr>
-              <a:t>Rezultatele</a:t>
+            <a:pPr marL="0" indent="0">
+              <a:buFont typeface="Arial" panose="020B0604020202020204" pitchFamily="34" charset="0"/>
+              <a:buNone/>
+            </a:pPr>
+            <a:r>
+              <a:rPr lang="ro-RO" dirty="0">
+                <a:solidFill>
+                  <a:schemeClr val="bg1"/>
+                </a:solidFill>
+              </a:rPr>
+              <a:t>Cele trei module de atentie folosite in retea</a:t>
             </a:r>
             <a:r>
               <a:rPr lang="en-US" dirty="0">
@@ -11376,79 +11784,7 @@
                   <a:schemeClr val="bg1"/>
                 </a:solidFill>
               </a:rPr>
-              <a:t> </a:t>
-            </a:r>
-            <a:r>
-              <a:rPr lang="en-US" dirty="0" err="1">
-                <a:solidFill>
-                  <a:schemeClr val="bg1"/>
-                </a:solidFill>
-              </a:rPr>
-              <a:t>testarii</a:t>
-            </a:r>
-            <a:r>
-              <a:rPr lang="en-US" dirty="0">
-                <a:solidFill>
-                  <a:schemeClr val="bg1"/>
-                </a:solidFill>
-              </a:rPr>
-              <a:t> </a:t>
-            </a:r>
-            <a:r>
-              <a:rPr lang="en-US" dirty="0" err="1">
-                <a:solidFill>
-                  <a:schemeClr val="bg1"/>
-                </a:solidFill>
-              </a:rPr>
-              <a:t>celor</a:t>
-            </a:r>
-            <a:r>
-              <a:rPr lang="en-US" dirty="0">
-                <a:solidFill>
-                  <a:schemeClr val="bg1"/>
-                </a:solidFill>
-              </a:rPr>
-              <a:t> </a:t>
-            </a:r>
-            <a:r>
-              <a:rPr lang="en-US" dirty="0" err="1">
-                <a:solidFill>
-                  <a:schemeClr val="bg1"/>
-                </a:solidFill>
-              </a:rPr>
-              <a:t>doua</a:t>
-            </a:r>
-            <a:r>
-              <a:rPr lang="en-US" dirty="0">
-                <a:solidFill>
-                  <a:schemeClr val="bg1"/>
-                </a:solidFill>
-              </a:rPr>
-              <a:t> </a:t>
-            </a:r>
-            <a:r>
-              <a:rPr lang="en-US" dirty="0" err="1">
-                <a:solidFill>
-                  <a:schemeClr val="bg1"/>
-                </a:solidFill>
-              </a:rPr>
-              <a:t>modele</a:t>
-            </a:r>
-            <a:r>
-              <a:rPr lang="en-US" dirty="0">
-                <a:solidFill>
-                  <a:schemeClr val="bg1"/>
-                </a:solidFill>
-              </a:rPr>
-              <a:t> </a:t>
-            </a:r>
-            <a:r>
-              <a:rPr lang="en-US" dirty="0" err="1">
-                <a:solidFill>
-                  <a:schemeClr val="bg1"/>
-                </a:solidFill>
-              </a:rPr>
-              <a:t>UNet</a:t>
+              <a:t>:</a:t>
             </a:r>
             <a:endParaRPr lang="ro-RO" dirty="0">
               <a:solidFill>
@@ -11456,17 +11792,14 @@
               </a:solidFill>
             </a:endParaRPr>
           </a:p>
-          <a:p>
-            <a:endParaRPr lang="ro-RO" dirty="0"/>
-          </a:p>
         </p:txBody>
       </p:sp>
       <p:pic>
         <p:nvPicPr>
-          <p:cNvPr id="13" name="Picture 12">
+          <p:cNvPr id="4" name="Picture 3">
             <a:extLst>
               <a:ext uri="{FF2B5EF4-FFF2-40B4-BE49-F238E27FC236}">
-                <a16:creationId xmlns:a16="http://schemas.microsoft.com/office/drawing/2014/main" id="{5266D7A5-ACBC-A95F-D501-5910058A4776}"/>
+                <a16:creationId xmlns:a16="http://schemas.microsoft.com/office/drawing/2014/main" id="{39CACB7A-BEA8-F915-A156-8FF89BAC0D5B}"/>
               </a:ext>
             </a:extLst>
           </p:cNvPr>
@@ -11483,32 +11816,18 @@
         </p:blipFill>
         <p:spPr>
           <a:xfrm>
-            <a:off x="3034095" y="3586813"/>
-            <a:ext cx="6123809" cy="1704762"/>
+            <a:off x="2095244" y="2837110"/>
+            <a:ext cx="7485781" cy="3537764"/>
           </a:xfrm>
           <a:prstGeom prst="rect">
             <a:avLst/>
           </a:prstGeom>
-          <a:ln w="38100" cap="sq">
-            <a:solidFill>
-              <a:srgbClr val="000000"/>
-            </a:solidFill>
-            <a:prstDash val="solid"/>
-            <a:miter lim="800000"/>
-          </a:ln>
-          <a:effectLst>
-            <a:outerShdw blurRad="50800" dist="38100" dir="2700000" algn="tl" rotWithShape="0">
-              <a:srgbClr val="000000">
-                <a:alpha val="43000"/>
-              </a:srgbClr>
-            </a:outerShdw>
-          </a:effectLst>
         </p:spPr>
       </p:pic>
     </p:spTree>
     <p:extLst>
       <p:ext uri="{BB962C8B-B14F-4D97-AF65-F5344CB8AC3E}">
-        <p14:creationId xmlns:p14="http://schemas.microsoft.com/office/powerpoint/2010/main" val="1916048929"/>
+        <p14:creationId xmlns:p14="http://schemas.microsoft.com/office/powerpoint/2010/main" val="3842563218"/>
       </p:ext>
     </p:extLst>
   </p:cSld>
@@ -11569,15 +11888,7 @@
             </a:br>
             <a:r>
               <a:rPr lang="en-US" sz="2000" dirty="0" err="1"/>
-              <a:t>Imbunatatiri</a:t>
-            </a:r>
-            <a:r>
-              <a:rPr lang="en-US" sz="2000" dirty="0"/>
-              <a:t> pe </a:t>
-            </a:r>
-            <a:r>
-              <a:rPr lang="en-US" sz="2000" dirty="0" err="1"/>
-              <a:t>viitor</a:t>
+              <a:t>Rezultate</a:t>
             </a:r>
             <a:endParaRPr lang="ro-RO" sz="2400" dirty="0"/>
           </a:p>
@@ -11605,12 +11916,20 @@
           <a:lstStyle/>
           <a:p>
             <a:r>
+              <a:rPr lang="en-US" dirty="0" err="1">
+                <a:solidFill>
+                  <a:schemeClr val="bg1"/>
+                </a:solidFill>
+              </a:rPr>
+              <a:t>Rezultatele</a:t>
+            </a:r>
+            <a:r>
               <a:rPr lang="en-US" dirty="0">
                 <a:solidFill>
                   <a:schemeClr val="bg1"/>
                 </a:solidFill>
               </a:rPr>
-              <a:t>Un al </a:t>
+              <a:t> </a:t>
             </a:r>
             <a:r>
               <a:rPr lang="en-US" dirty="0" err="1">
@@ -11618,7 +11937,7 @@
                   <a:schemeClr val="bg1"/>
                 </a:solidFill>
               </a:rPr>
-              <a:t>doilea</a:t>
+              <a:t>testarii</a:t>
             </a:r>
             <a:r>
               <a:rPr lang="en-US" dirty="0">
@@ -11626,7 +11945,7 @@
                   <a:schemeClr val="bg1"/>
                 </a:solidFill>
               </a:rPr>
-              <a:t> model care </a:t>
+              <a:t> </a:t>
             </a:r>
             <a:r>
               <a:rPr lang="en-US" dirty="0" err="1">
@@ -11634,7 +11953,7 @@
                   <a:schemeClr val="bg1"/>
                 </a:solidFill>
               </a:rPr>
-              <a:t>decupeaza</a:t>
+              <a:t>celor</a:t>
             </a:r>
             <a:r>
               <a:rPr lang="en-US" dirty="0">
@@ -11650,7 +11969,7 @@
                   <a:schemeClr val="bg1"/>
                 </a:solidFill>
               </a:rPr>
-              <a:t>imaginea</a:t>
+              <a:t>doua</a:t>
             </a:r>
             <a:r>
               <a:rPr lang="en-US" dirty="0">
@@ -11658,7 +11977,7 @@
                   <a:schemeClr val="bg1"/>
                 </a:solidFill>
               </a:rPr>
-              <a:t> de </a:t>
+              <a:t> </a:t>
             </a:r>
             <a:r>
               <a:rPr lang="en-US" dirty="0" err="1">
@@ -11666,7 +11985,7 @@
                   <a:schemeClr val="bg1"/>
                 </a:solidFill>
               </a:rPr>
-              <a:t>intrare</a:t>
+              <a:t>modele</a:t>
             </a:r>
             <a:r>
               <a:rPr lang="en-US" dirty="0">
@@ -11682,7 +12001,7 @@
                   <a:schemeClr val="bg1"/>
                 </a:solidFill>
               </a:rPr>
-              <a:t>astfel</a:t>
+              <a:t>UNet</a:t>
             </a:r>
             <a:r>
               <a:rPr lang="en-US" dirty="0">
@@ -11690,119 +12009,7 @@
                   <a:schemeClr val="bg1"/>
                 </a:solidFill>
               </a:rPr>
-              <a:t> </a:t>
-            </a:r>
-            <a:r>
-              <a:rPr lang="en-US" dirty="0" err="1">
-                <a:solidFill>
-                  <a:schemeClr val="bg1"/>
-                </a:solidFill>
-              </a:rPr>
-              <a:t>incat</a:t>
-            </a:r>
-            <a:r>
-              <a:rPr lang="en-US" dirty="0">
-                <a:solidFill>
-                  <a:schemeClr val="bg1"/>
-                </a:solidFill>
-              </a:rPr>
-              <a:t> </a:t>
-            </a:r>
-            <a:r>
-              <a:rPr lang="en-US" dirty="0" err="1">
-                <a:solidFill>
-                  <a:schemeClr val="bg1"/>
-                </a:solidFill>
-              </a:rPr>
-              <a:t>sa</a:t>
-            </a:r>
-            <a:r>
-              <a:rPr lang="en-US" dirty="0">
-                <a:solidFill>
-                  <a:schemeClr val="bg1"/>
-                </a:solidFill>
-              </a:rPr>
-              <a:t> nu </a:t>
-            </a:r>
-            <a:r>
-              <a:rPr lang="en-US" dirty="0" err="1">
-                <a:solidFill>
-                  <a:schemeClr val="bg1"/>
-                </a:solidFill>
-              </a:rPr>
-              <a:t>contina</a:t>
-            </a:r>
-            <a:r>
-              <a:rPr lang="en-US" dirty="0">
-                <a:solidFill>
-                  <a:schemeClr val="bg1"/>
-                </a:solidFill>
-              </a:rPr>
-              <a:t> </a:t>
-            </a:r>
-            <a:r>
-              <a:rPr lang="en-US" dirty="0" err="1">
-                <a:solidFill>
-                  <a:schemeClr val="bg1"/>
-                </a:solidFill>
-              </a:rPr>
-              <a:t>nimic</a:t>
-            </a:r>
-            <a:r>
-              <a:rPr lang="en-US" dirty="0">
-                <a:solidFill>
-                  <a:schemeClr val="bg1"/>
-                </a:solidFill>
-              </a:rPr>
-              <a:t> </a:t>
-            </a:r>
-            <a:r>
-              <a:rPr lang="en-US" dirty="0" err="1">
-                <a:solidFill>
-                  <a:schemeClr val="bg1"/>
-                </a:solidFill>
-              </a:rPr>
-              <a:t>altceva</a:t>
-            </a:r>
-            <a:r>
-              <a:rPr lang="en-US" dirty="0">
-                <a:solidFill>
-                  <a:schemeClr val="bg1"/>
-                </a:solidFill>
-              </a:rPr>
-              <a:t> </a:t>
-            </a:r>
-            <a:r>
-              <a:rPr lang="en-US" dirty="0" err="1">
-                <a:solidFill>
-                  <a:schemeClr val="bg1"/>
-                </a:solidFill>
-              </a:rPr>
-              <a:t>decat</a:t>
-            </a:r>
-            <a:r>
-              <a:rPr lang="en-US" dirty="0">
-                <a:solidFill>
-                  <a:schemeClr val="bg1"/>
-                </a:solidFill>
-              </a:rPr>
-              <a:t> </a:t>
-            </a:r>
-            <a:r>
-              <a:rPr lang="en-US" dirty="0" err="1">
-                <a:solidFill>
-                  <a:schemeClr val="bg1"/>
-                </a:solidFill>
-              </a:rPr>
-              <a:t>portiunea</a:t>
-            </a:r>
-            <a:r>
-              <a:rPr lang="en-US" dirty="0">
-                <a:solidFill>
-                  <a:schemeClr val="bg1"/>
-                </a:solidFill>
-              </a:rPr>
-              <a:t> de drum.</a:t>
+              <a:t>:</a:t>
             </a:r>
             <a:endParaRPr lang="ro-RO" dirty="0">
               <a:solidFill>
@@ -11815,10 +12022,40 @@
           </a:p>
         </p:txBody>
       </p:sp>
+      <p:pic>
+        <p:nvPicPr>
+          <p:cNvPr id="4" name="Picture 3">
+            <a:extLst>
+              <a:ext uri="{FF2B5EF4-FFF2-40B4-BE49-F238E27FC236}">
+                <a16:creationId xmlns:a16="http://schemas.microsoft.com/office/drawing/2014/main" id="{8F877431-C750-8AD3-30F3-6C6C130030F9}"/>
+              </a:ext>
+            </a:extLst>
+          </p:cNvPr>
+          <p:cNvPicPr>
+            <a:picLocks noChangeAspect="1"/>
+          </p:cNvPicPr>
+          <p:nvPr/>
+        </p:nvPicPr>
+        <p:blipFill>
+          <a:blip r:embed="rId2"/>
+          <a:stretch>
+            <a:fillRect/>
+          </a:stretch>
+        </p:blipFill>
+        <p:spPr>
+          <a:xfrm>
+            <a:off x="3000762" y="3246055"/>
+            <a:ext cx="6190476" cy="1780952"/>
+          </a:xfrm>
+          <a:prstGeom prst="rect">
+            <a:avLst/>
+          </a:prstGeom>
+        </p:spPr>
+      </p:pic>
     </p:spTree>
     <p:extLst>
       <p:ext uri="{BB962C8B-B14F-4D97-AF65-F5344CB8AC3E}">
-        <p14:creationId xmlns:p14="http://schemas.microsoft.com/office/powerpoint/2010/main" val="2565106992"/>
+        <p14:creationId xmlns:p14="http://schemas.microsoft.com/office/powerpoint/2010/main" val="1916048929"/>
       </p:ext>
     </p:extLst>
   </p:cSld>
